--- a/Project2/Capstone Project 2_Final.pptx
+++ b/Project2/Capstone Project 2_Final.pptx
@@ -3640,35 +3640,26 @@
       </p:sp>
       <p:pic>
         <p:nvPicPr>
-          <p:cNvPr id="8" name="Picture 7"/>
-          <p:cNvPicPr/>
+          <p:cNvPr id="9" name="Picture 8"/>
+          <p:cNvPicPr>
+            <a:picLocks noChangeAspect="1"/>
+          </p:cNvPicPr>
           <p:nvPr/>
         </p:nvPicPr>
         <p:blipFill>
-          <a:blip r:embed="rId4">
-            <a:extLst>
-              <a:ext uri="{28A0092B-C50C-407E-A947-70E740481C1C}">
-                <a14:useLocalDpi xmlns:a14="http://schemas.microsoft.com/office/drawing/2010/main" val="0"/>
-              </a:ext>
-            </a:extLst>
-          </a:blip>
-          <a:srcRect/>
+          <a:blip r:embed="rId4"/>
           <a:stretch>
             <a:fillRect/>
           </a:stretch>
         </p:blipFill>
-        <p:spPr bwMode="auto">
-          <a:xfrm>
-            <a:off x="263471" y="4737674"/>
-            <a:ext cx="4348220" cy="2120325"/>
+        <p:spPr>
+          <a:xfrm>
+            <a:off x="405077" y="4792469"/>
+            <a:ext cx="4629982" cy="2065531"/>
           </a:xfrm>
           <a:prstGeom prst="rect">
             <a:avLst/>
           </a:prstGeom>
-          <a:noFill/>
-          <a:ln>
-            <a:noFill/>
-          </a:ln>
         </p:spPr>
       </p:pic>
     </p:spTree>
@@ -4121,7 +4112,7 @@
           <a:graphicData uri="http://schemas.openxmlformats.org/presentationml/2006/ole">
             <mc:AlternateContent xmlns:mc="http://schemas.openxmlformats.org/markup-compatibility/2006">
               <mc:Choice xmlns:v="urn:schemas-microsoft-com:vml" Requires="v">
-                <p:oleObj spid="_x0000_s3084" name="Document" r:id="rId3" imgW="6083300" imgH="2057400" progId="Word.Document.12">
+                <p:oleObj spid="_x0000_s3087" name="Document" r:id="rId3" imgW="6083300" imgH="2057400" progId="Word.Document.12">
                   <p:embed/>
                 </p:oleObj>
               </mc:Choice>

--- a/Project2/Capstone Project 2_Final.pptx
+++ b/Project2/Capstone Project 2_Final.pptx
@@ -14,9 +14,10 @@
     <p:sldId id="275" r:id="rId8"/>
     <p:sldId id="276" r:id="rId9"/>
     <p:sldId id="268" r:id="rId10"/>
-    <p:sldId id="269" r:id="rId11"/>
-    <p:sldId id="270" r:id="rId12"/>
-    <p:sldId id="274" r:id="rId13"/>
+    <p:sldId id="277" r:id="rId11"/>
+    <p:sldId id="269" r:id="rId12"/>
+    <p:sldId id="270" r:id="rId13"/>
+    <p:sldId id="274" r:id="rId14"/>
   </p:sldIdLst>
   <p:sldSz cx="9144000" cy="6858000" type="screen4x3"/>
   <p:notesSz cx="6858000" cy="9144000"/>
@@ -312,7 +313,7 @@
           <a:p>
             <a:fld id="{F3DB9FB8-118F-2B4E-9D9C-09C1535833BC}" type="datetimeFigureOut">
               <a:rPr lang="en-US" smtClean="0"/>
-              <a:t>7/17/20</a:t>
+              <a:t>7/30/20</a:t>
             </a:fld>
             <a:endParaRPr lang="en-US"/>
           </a:p>
@@ -477,7 +478,7 @@
           <a:p>
             <a:fld id="{F3DB9FB8-118F-2B4E-9D9C-09C1535833BC}" type="datetimeFigureOut">
               <a:rPr lang="en-US" smtClean="0"/>
-              <a:t>7/17/20</a:t>
+              <a:t>7/30/20</a:t>
             </a:fld>
             <a:endParaRPr lang="en-US"/>
           </a:p>
@@ -652,7 +653,7 @@
           <a:p>
             <a:fld id="{F3DB9FB8-118F-2B4E-9D9C-09C1535833BC}" type="datetimeFigureOut">
               <a:rPr lang="en-US" smtClean="0"/>
-              <a:t>7/17/20</a:t>
+              <a:t>7/30/20</a:t>
             </a:fld>
             <a:endParaRPr lang="en-US"/>
           </a:p>
@@ -817,7 +818,7 @@
           <a:p>
             <a:fld id="{F3DB9FB8-118F-2B4E-9D9C-09C1535833BC}" type="datetimeFigureOut">
               <a:rPr lang="en-US" smtClean="0"/>
-              <a:t>7/17/20</a:t>
+              <a:t>7/30/20</a:t>
             </a:fld>
             <a:endParaRPr lang="en-US"/>
           </a:p>
@@ -1058,7 +1059,7 @@
           <a:p>
             <a:fld id="{F3DB9FB8-118F-2B4E-9D9C-09C1535833BC}" type="datetimeFigureOut">
               <a:rPr lang="en-US" smtClean="0"/>
-              <a:t>7/17/20</a:t>
+              <a:t>7/30/20</a:t>
             </a:fld>
             <a:endParaRPr lang="en-US"/>
           </a:p>
@@ -1341,7 +1342,7 @@
           <a:p>
             <a:fld id="{F3DB9FB8-118F-2B4E-9D9C-09C1535833BC}" type="datetimeFigureOut">
               <a:rPr lang="en-US" smtClean="0"/>
-              <a:t>7/17/20</a:t>
+              <a:t>7/30/20</a:t>
             </a:fld>
             <a:endParaRPr lang="en-US"/>
           </a:p>
@@ -1770,7 +1771,7 @@
           <a:p>
             <a:fld id="{F3DB9FB8-118F-2B4E-9D9C-09C1535833BC}" type="datetimeFigureOut">
               <a:rPr lang="en-US" smtClean="0"/>
-              <a:t>7/17/20</a:t>
+              <a:t>7/30/20</a:t>
             </a:fld>
             <a:endParaRPr lang="en-US"/>
           </a:p>
@@ -1883,7 +1884,7 @@
           <a:p>
             <a:fld id="{F3DB9FB8-118F-2B4E-9D9C-09C1535833BC}" type="datetimeFigureOut">
               <a:rPr lang="en-US" smtClean="0"/>
-              <a:t>7/17/20</a:t>
+              <a:t>7/30/20</a:t>
             </a:fld>
             <a:endParaRPr lang="en-US"/>
           </a:p>
@@ -1973,7 +1974,7 @@
           <a:p>
             <a:fld id="{F3DB9FB8-118F-2B4E-9D9C-09C1535833BC}" type="datetimeFigureOut">
               <a:rPr lang="en-US" smtClean="0"/>
-              <a:t>7/17/20</a:t>
+              <a:t>7/30/20</a:t>
             </a:fld>
             <a:endParaRPr lang="en-US"/>
           </a:p>
@@ -2162,7 +2163,7 @@
           <a:p>
             <a:fld id="{F3DB9FB8-118F-2B4E-9D9C-09C1535833BC}" type="datetimeFigureOut">
               <a:rPr lang="en-US" smtClean="0"/>
-              <a:t>7/17/20</a:t>
+              <a:t>7/30/20</a:t>
             </a:fld>
             <a:endParaRPr lang="en-US"/>
           </a:p>
@@ -2480,7 +2481,7 @@
           <a:p>
             <a:fld id="{F3DB9FB8-118F-2B4E-9D9C-09C1535833BC}" type="datetimeFigureOut">
               <a:rPr lang="en-US" smtClean="0"/>
-              <a:t>7/17/20</a:t>
+              <a:t>7/30/20</a:t>
             </a:fld>
             <a:endParaRPr lang="en-US"/>
           </a:p>
@@ -2859,7 +2860,7 @@
           <a:p>
             <a:fld id="{F3DB9FB8-118F-2B4E-9D9C-09C1535833BC}" type="datetimeFigureOut">
               <a:rPr lang="en-US" smtClean="0"/>
-              <a:t>7/17/20</a:t>
+              <a:t>7/30/20</a:t>
             </a:fld>
             <a:endParaRPr lang="en-US"/>
           </a:p>
@@ -3210,10 +3211,6 @@
               <a:rPr lang="en-US" sz="4800" b="1" u="sng" dirty="0" smtClean="0"/>
               <a:t>2: </a:t>
             </a:r>
-            <a:r>
-              <a:rPr lang="en-US" sz="4800" b="1" u="sng" dirty="0" smtClean="0"/>
-              <a:t/>
-            </a:r>
             <a:br>
               <a:rPr lang="en-US" sz="4800" b="1" u="sng" dirty="0" smtClean="0"/>
             </a:br>
@@ -3226,11 +3223,7 @@
             </a:br>
             <a:r>
               <a:rPr lang="en-US" sz="4800" b="1" dirty="0" smtClean="0"/>
-              <a:t>Fake News </a:t>
-            </a:r>
-            <a:r>
-              <a:rPr lang="en-US" sz="4800" b="1" dirty="0" smtClean="0"/>
-              <a:t>Prediction</a:t>
+              <a:t>Fake News Prediction</a:t>
             </a:r>
             <a:endParaRPr lang="en-US" sz="4800" dirty="0"/>
           </a:p>
@@ -3279,7 +3272,7 @@
         <p:spPr>
           <a:xfrm>
             <a:off x="457200" y="274638"/>
-            <a:ext cx="8579138" cy="1143000"/>
+            <a:ext cx="7620000" cy="874346"/>
           </a:xfrm>
         </p:spPr>
         <p:txBody>
@@ -3287,10 +3280,10 @@
           <a:lstStyle/>
           <a:p>
             <a:r>
-              <a:rPr lang="en-US" sz="3600" b="1" u="sng" dirty="0"/>
-              <a:t>Model Building and Implementation </a:t>
-            </a:r>
-            <a:endParaRPr lang="en-US" sz="3600" dirty="0"/>
+              <a:rPr lang="en-US" dirty="0" smtClean="0"/>
+              <a:t>Inferential Statistics</a:t>
+            </a:r>
+            <a:endParaRPr lang="en-US" dirty="0"/>
           </a:p>
         </p:txBody>
       </p:sp>
@@ -3306,96 +3299,146 @@
         </p:nvSpPr>
         <p:spPr>
           <a:xfrm>
-            <a:off x="457200" y="1417638"/>
-            <a:ext cx="7620000" cy="4800600"/>
+            <a:off x="457200" y="1148984"/>
+            <a:ext cx="4955867" cy="5034365"/>
           </a:xfrm>
         </p:spPr>
         <p:txBody>
           <a:bodyPr>
-            <a:normAutofit lnSpcReduction="10000"/>
+            <a:normAutofit fontScale="77500" lnSpcReduction="20000"/>
           </a:bodyPr>
           <a:lstStyle/>
           <a:p>
-            <a:r>
-              <a:rPr lang="en-US" sz="1800" dirty="0"/>
-              <a:t>The training dataset is created for COUNT vectors, TF-IDF vectors. In this section, we need to develop a model to predict fake or legit news based on the historical data collected in the training set with labels. </a:t>
-            </a:r>
-          </a:p>
-          <a:p>
-            <a:r>
-              <a:rPr lang="en-US" sz="1800" dirty="0"/>
-              <a:t>Two methods – </a:t>
-            </a:r>
-            <a:r>
-              <a:rPr lang="en-US" sz="1800" dirty="0" err="1"/>
-              <a:t>CountVectorizer</a:t>
-            </a:r>
-            <a:r>
-              <a:rPr lang="en-US" sz="1800" dirty="0"/>
-              <a:t> and TF-IDF </a:t>
-            </a:r>
-            <a:r>
-              <a:rPr lang="en-US" sz="1800" dirty="0" err="1"/>
-              <a:t>Vectorizer</a:t>
-            </a:r>
-            <a:r>
-              <a:rPr lang="en-US" sz="1800" dirty="0"/>
-              <a:t>, are used as Count </a:t>
-            </a:r>
-            <a:r>
-              <a:rPr lang="en-US" sz="1800" dirty="0" err="1"/>
-              <a:t>Vectorizer</a:t>
-            </a:r>
-            <a:r>
-              <a:rPr lang="en-US" sz="1800" dirty="0"/>
-              <a:t> provides the document term matrix, which is transposed tokens, or words in features with count of occurrence of each word</a:t>
-            </a:r>
-            <a:r>
-              <a:rPr lang="en-US" sz="1800" dirty="0" smtClean="0"/>
-              <a:t>.</a:t>
+            <a:pPr marL="114300" indent="0" fontAlgn="base" latinLnBrk="1">
+              <a:buNone/>
+            </a:pPr>
+            <a:r>
+              <a:rPr lang="en-US" b="1" dirty="0"/>
+              <a:t>Correlation between '</a:t>
+            </a:r>
+            <a:r>
+              <a:rPr lang="en-US" b="1" dirty="0" err="1"/>
+              <a:t>textlen</a:t>
+            </a:r>
+            <a:r>
+              <a:rPr lang="en-US" b="1" dirty="0"/>
+              <a:t>' and ‘sentiment’:</a:t>
             </a:r>
             <a:endParaRPr lang="en-US" dirty="0"/>
           </a:p>
           <a:p>
             <a:r>
-              <a:rPr lang="en-US" sz="1800" dirty="0"/>
-              <a:t>Model created for Logistics Regression with Count Vectors, Logistics Regression with TF-IDF Vectors, Multinomial Naïve Bayes classifier with Count Vectors with hyper parameter and Multinomial Naïve Bayes classifier with TF-IDF Vectors with hyper parameter. The hyper parameter tuning is done using “</a:t>
-            </a:r>
-            <a:r>
-              <a:rPr lang="en-US" sz="1800" dirty="0" err="1"/>
-              <a:t>GridSearchCV</a:t>
-            </a:r>
-            <a:r>
-              <a:rPr lang="en-US" sz="1800" dirty="0"/>
-              <a:t>”. The Best parameters resulted as alpha = 0.1. </a:t>
-            </a:r>
-          </a:p>
-          <a:p>
-            <a:r>
-              <a:rPr lang="en-US" sz="1800" dirty="0"/>
-              <a:t>LSTM (long short term memory) neural networks are also used for predicting the fake and legit news classification. This a recurrent neural network, compared to standard and convolutional neural network. Specification used for this model is – maximum number of words is 50000, maximum number of words in each text is 250. The spatialDropout1D value of 0.2, dropout value of 0.1 and recurrent dropout value of 0.1 and activation “</a:t>
-            </a:r>
-            <a:r>
-              <a:rPr lang="en-US" sz="1800" dirty="0" err="1"/>
-              <a:t>softmax</a:t>
-            </a:r>
-            <a:r>
-              <a:rPr lang="en-US" sz="1800" dirty="0"/>
-              <a:t>”. </a:t>
-            </a:r>
+              <a:rPr lang="en-US" dirty="0"/>
+              <a:t>Calculating for high correlation data from dataset, for '</a:t>
+            </a:r>
+            <a:r>
+              <a:rPr lang="en-US" dirty="0" err="1"/>
+              <a:t>textlen</a:t>
+            </a:r>
+            <a:r>
+              <a:rPr lang="en-US" dirty="0"/>
+              <a:t>', 'sentiment', we find that the </a:t>
+            </a:r>
+            <a:r>
+              <a:rPr lang="en-US" dirty="0" err="1"/>
+              <a:t>coeff</a:t>
+            </a:r>
+            <a:r>
+              <a:rPr lang="en-US" dirty="0"/>
+              <a:t> values is 0.01971846321212139 and p-value is 0.004688487215723314. There is very less correlation (0.0197) between the text length and sentiments calculated. </a:t>
+            </a:r>
+            <a:endParaRPr lang="en-US" dirty="0" smtClean="0"/>
+          </a:p>
+          <a:p>
+            <a:endParaRPr lang="en-US" dirty="0"/>
           </a:p>
           <a:p>
             <a:pPr marL="114300" indent="0">
               <a:buNone/>
             </a:pPr>
+            <a:r>
+              <a:rPr lang="en-US" dirty="0" smtClean="0"/>
+              <a:t>Chi</a:t>
+            </a:r>
+            <a:r>
+              <a:rPr lang="en-US" dirty="0"/>
+              <a:t>-Squared Test Statistics: Assumed Hypothesis as below.</a:t>
+            </a:r>
+            <a:endParaRPr lang="en-US" b="1" i="1" dirty="0"/>
+          </a:p>
+          <a:p>
+            <a:pPr lvl="0"/>
+            <a:r>
+              <a:rPr lang="en-US" dirty="0"/>
+              <a:t>Null Hypothesis (H0): The samples with positive values are of same positive sentiments.</a:t>
+            </a:r>
+          </a:p>
+          <a:p>
+            <a:pPr lvl="0"/>
+            <a:r>
+              <a:rPr lang="en-US" dirty="0"/>
+              <a:t>Alternate Hypothesis (H1): The samples with positive values sentiments are different from each other.</a:t>
+            </a:r>
+          </a:p>
+          <a:p>
+            <a:pPr marL="114300" indent="0">
+              <a:buNone/>
+            </a:pPr>
+            <a:r>
+              <a:rPr lang="en-US" dirty="0"/>
+              <a:t>We find that </a:t>
+            </a:r>
+            <a:r>
+              <a:rPr lang="en-US" dirty="0" err="1"/>
+              <a:t>dof</a:t>
+            </a:r>
+            <a:r>
+              <a:rPr lang="en-US" dirty="0"/>
+              <a:t>=7806 0.10947413801013585 probability=0.950, critical=8012.652, stat=0.000 Independent (fail to reject H0) significance=0.050, p=1.000 Independent (fail to reject H0) We can conclude that sample with positive values are of same positive sentiments.</a:t>
+            </a:r>
+          </a:p>
+          <a:p>
             <a:endParaRPr lang="en-US" dirty="0"/>
           </a:p>
         </p:txBody>
       </p:sp>
+      <p:pic>
+        <p:nvPicPr>
+          <p:cNvPr id="4" name="Picture 3"/>
+          <p:cNvPicPr/>
+          <p:nvPr/>
+        </p:nvPicPr>
+        <p:blipFill>
+          <a:blip r:embed="rId2">
+            <a:extLst>
+              <a:ext uri="{28A0092B-C50C-407E-A947-70E740481C1C}">
+                <a14:useLocalDpi xmlns:a14="http://schemas.microsoft.com/office/drawing/2010/main" val="0"/>
+              </a:ext>
+            </a:extLst>
+          </a:blip>
+          <a:srcRect/>
+          <a:stretch>
+            <a:fillRect/>
+          </a:stretch>
+        </p:blipFill>
+        <p:spPr bwMode="auto">
+          <a:xfrm>
+            <a:off x="5278543" y="1103630"/>
+            <a:ext cx="2971800" cy="1828800"/>
+          </a:xfrm>
+          <a:prstGeom prst="rect">
+            <a:avLst/>
+          </a:prstGeom>
+          <a:noFill/>
+          <a:ln>
+            <a:noFill/>
+          </a:ln>
+        </p:spPr>
+      </p:pic>
     </p:spTree>
     <p:extLst>
       <p:ext uri="{BB962C8B-B14F-4D97-AF65-F5344CB8AC3E}">
-        <p14:creationId xmlns:p14="http://schemas.microsoft.com/office/powerpoint/2010/main" val="2308095998"/>
+        <p14:creationId xmlns:p14="http://schemas.microsoft.com/office/powerpoint/2010/main" val="138907524"/>
       </p:ext>
     </p:extLst>
   </p:cSld>
@@ -3432,240 +3475,126 @@
             <p:ph type="title"/>
           </p:nvPr>
         </p:nvSpPr>
-        <p:spPr/>
+        <p:spPr>
+          <a:xfrm>
+            <a:off x="457200" y="274638"/>
+            <a:ext cx="8579138" cy="1143000"/>
+          </a:xfrm>
+        </p:spPr>
         <p:txBody>
           <a:bodyPr/>
           <a:lstStyle/>
           <a:p>
             <a:r>
-              <a:rPr lang="en-US" dirty="0" smtClean="0"/>
-              <a:t>Models Performance- </a:t>
+              <a:rPr lang="en-US" sz="3600" b="1" u="sng" dirty="0"/>
+              <a:t>Model Building and Implementation </a:t>
+            </a:r>
+            <a:endParaRPr lang="en-US" sz="3600" dirty="0"/>
+          </a:p>
+        </p:txBody>
+      </p:sp>
+      <p:sp>
+        <p:nvSpPr>
+          <p:cNvPr id="3" name="Content Placeholder 2"/>
+          <p:cNvSpPr>
+            <a:spLocks noGrp="1"/>
+          </p:cNvSpPr>
+          <p:nvPr>
+            <p:ph idx="1"/>
+          </p:nvPr>
+        </p:nvSpPr>
+        <p:spPr>
+          <a:xfrm>
+            <a:off x="457200" y="1417638"/>
+            <a:ext cx="7620000" cy="4800600"/>
+          </a:xfrm>
+        </p:spPr>
+        <p:txBody>
+          <a:bodyPr>
+            <a:normAutofit lnSpcReduction="10000"/>
+          </a:bodyPr>
+          <a:lstStyle/>
+          <a:p>
+            <a:r>
+              <a:rPr lang="en-US" sz="1800" dirty="0"/>
+              <a:t>The training dataset is created for COUNT vectors, TF-IDF vectors. In this section, we need to develop a model to predict fake or legit news based on the historical data collected in the training set with labels. </a:t>
+            </a:r>
+          </a:p>
+          <a:p>
+            <a:r>
+              <a:rPr lang="en-US" sz="1800" dirty="0"/>
+              <a:t>Two methods – </a:t>
+            </a:r>
+            <a:r>
+              <a:rPr lang="en-US" sz="1800" dirty="0" err="1"/>
+              <a:t>CountVectorizer</a:t>
+            </a:r>
+            <a:r>
+              <a:rPr lang="en-US" sz="1800" dirty="0"/>
+              <a:t> and TF-IDF </a:t>
+            </a:r>
+            <a:r>
+              <a:rPr lang="en-US" sz="1800" dirty="0" err="1"/>
+              <a:t>Vectorizer</a:t>
+            </a:r>
+            <a:r>
+              <a:rPr lang="en-US" sz="1800" dirty="0"/>
+              <a:t>, are used as Count </a:t>
+            </a:r>
+            <a:r>
+              <a:rPr lang="en-US" sz="1800" dirty="0" err="1"/>
+              <a:t>Vectorizer</a:t>
+            </a:r>
+            <a:r>
+              <a:rPr lang="en-US" sz="1800" dirty="0"/>
+              <a:t> provides the document term matrix, which is transposed tokens, or words in features with count of occurrence of each word</a:t>
+            </a:r>
+            <a:r>
+              <a:rPr lang="en-US" sz="1800" dirty="0" smtClean="0"/>
+              <a:t>.</a:t>
             </a:r>
             <a:endParaRPr lang="en-US" dirty="0"/>
           </a:p>
-        </p:txBody>
-      </p:sp>
-      <p:sp>
-        <p:nvSpPr>
-          <p:cNvPr id="3" name="Content Placeholder 2"/>
-          <p:cNvSpPr>
-            <a:spLocks noGrp="1"/>
-          </p:cNvSpPr>
-          <p:nvPr>
-            <p:ph idx="1"/>
-          </p:nvPr>
-        </p:nvSpPr>
-        <p:spPr>
-          <a:xfrm>
-            <a:off x="366480" y="1464138"/>
-            <a:ext cx="2899506" cy="712887"/>
-          </a:xfrm>
-        </p:spPr>
-        <p:txBody>
-          <a:bodyPr>
-            <a:normAutofit/>
-          </a:bodyPr>
-          <a:lstStyle/>
-          <a:p>
-            <a:pPr lvl="0"/>
-            <a:r>
-              <a:rPr lang="en-US" sz="1400" dirty="0"/>
-              <a:t>Accuracy scores of each of the </a:t>
-            </a:r>
-            <a:r>
-              <a:rPr lang="en-US" sz="1400" dirty="0" smtClean="0"/>
-              <a:t>algorithms.</a:t>
-            </a:r>
-          </a:p>
-          <a:p>
-            <a:pPr lvl="0"/>
+          <a:p>
+            <a:r>
+              <a:rPr lang="en-US" sz="1800" dirty="0"/>
+              <a:t>Model created for Logistics Regression with Count Vectors, Logistics Regression with TF-IDF Vectors, Multinomial Naïve Bayes classifier with Count Vectors with hyper parameter and Multinomial Naïve Bayes classifier with TF-IDF Vectors with hyper parameter. The hyper parameter tuning is done using “</a:t>
+            </a:r>
+            <a:r>
+              <a:rPr lang="en-US" sz="1800" dirty="0" err="1"/>
+              <a:t>GridSearchCV</a:t>
+            </a:r>
+            <a:r>
+              <a:rPr lang="en-US" sz="1800" dirty="0"/>
+              <a:t>”. The Best parameters resulted as alpha = 0.1. </a:t>
+            </a:r>
+          </a:p>
+          <a:p>
+            <a:r>
+              <a:rPr lang="en-US" sz="1800" dirty="0"/>
+              <a:t>LSTM (long short term memory) neural networks are also used for predicting the fake and legit news classification. This a recurrent neural network, compared to standard and convolutional neural network. Specification used for this model is – maximum number of words is 50000, maximum number of words in each text is 250. The spatialDropout1D value of 0.2, dropout value of 0.1 and recurrent dropout value of 0.1 and activation “</a:t>
+            </a:r>
+            <a:r>
+              <a:rPr lang="en-US" sz="1800" dirty="0" err="1"/>
+              <a:t>softmax</a:t>
+            </a:r>
+            <a:r>
+              <a:rPr lang="en-US" sz="1800" dirty="0"/>
+              <a:t>”. </a:t>
+            </a:r>
+          </a:p>
+          <a:p>
+            <a:pPr marL="114300" indent="0">
+              <a:buNone/>
+            </a:pPr>
             <a:endParaRPr lang="en-US" dirty="0"/>
           </a:p>
         </p:txBody>
       </p:sp>
-      <p:sp>
-        <p:nvSpPr>
-          <p:cNvPr id="4" name="Rectangle 3"/>
-          <p:cNvSpPr/>
-          <p:nvPr/>
-        </p:nvSpPr>
-        <p:spPr>
-          <a:xfrm>
-            <a:off x="3722428" y="1418784"/>
-            <a:ext cx="4572000" cy="1600438"/>
-          </a:xfrm>
-          <a:prstGeom prst="rect">
-            <a:avLst/>
-          </a:prstGeom>
-        </p:spPr>
-        <p:txBody>
-          <a:bodyPr>
-            <a:spAutoFit/>
-          </a:bodyPr>
-          <a:lstStyle/>
-          <a:p>
-            <a:r>
-              <a:rPr lang="en-US" sz="1400" dirty="0"/>
-              <a:t>Best results from the above accuracy score is of – Logistic Regression with Count Vectors. Below we can see the ROC Accuracy is 0.95. </a:t>
-            </a:r>
-          </a:p>
-          <a:p>
-            <a:r>
-              <a:rPr lang="en-US" sz="1400" dirty="0"/>
-              <a:t>In the confusion matrix, as shown in fig16</a:t>
-            </a:r>
-          </a:p>
-          <a:p>
-            <a:pPr lvl="0"/>
-            <a:r>
-              <a:rPr lang="en-US" sz="1400" dirty="0"/>
-              <a:t>True positive is 2944 and True Negative is 2945.</a:t>
-            </a:r>
-          </a:p>
-          <a:p>
-            <a:pPr lvl="0"/>
-            <a:r>
-              <a:rPr lang="en-US" sz="1400" dirty="0"/>
-              <a:t>Type I – False negative is 120 and Type II – False positive is 160.</a:t>
-            </a:r>
-            <a:endParaRPr lang="en-US" sz="1400" dirty="0"/>
-          </a:p>
-        </p:txBody>
-      </p:sp>
-      <p:pic>
-        <p:nvPicPr>
-          <p:cNvPr id="5" name="Picture 4"/>
-          <p:cNvPicPr/>
-          <p:nvPr/>
-        </p:nvPicPr>
-        <p:blipFill>
-          <a:blip r:embed="rId2">
-            <a:extLst>
-              <a:ext uri="{28A0092B-C50C-407E-A947-70E740481C1C}">
-                <a14:useLocalDpi xmlns:a14="http://schemas.microsoft.com/office/drawing/2010/main" val="0"/>
-              </a:ext>
-            </a:extLst>
-          </a:blip>
-          <a:srcRect/>
-          <a:stretch>
-            <a:fillRect/>
-          </a:stretch>
-        </p:blipFill>
-        <p:spPr bwMode="auto">
-          <a:xfrm>
-            <a:off x="3828268" y="2997129"/>
-            <a:ext cx="4215728" cy="1629046"/>
-          </a:xfrm>
-          <a:prstGeom prst="rect">
-            <a:avLst/>
-          </a:prstGeom>
-          <a:noFill/>
-          <a:ln>
-            <a:noFill/>
-          </a:ln>
-        </p:spPr>
-      </p:pic>
-      <p:pic>
-        <p:nvPicPr>
-          <p:cNvPr id="6" name="Picture 5"/>
-          <p:cNvPicPr/>
-          <p:nvPr/>
-        </p:nvPicPr>
-        <p:blipFill>
-          <a:blip r:embed="rId3">
-            <a:extLst>
-              <a:ext uri="{28A0092B-C50C-407E-A947-70E740481C1C}">
-                <a14:useLocalDpi xmlns:a14="http://schemas.microsoft.com/office/drawing/2010/main" val="0"/>
-              </a:ext>
-            </a:extLst>
-          </a:blip>
-          <a:srcRect/>
-          <a:stretch>
-            <a:fillRect/>
-          </a:stretch>
-        </p:blipFill>
-        <p:spPr bwMode="auto">
-          <a:xfrm>
-            <a:off x="263471" y="1906560"/>
-            <a:ext cx="3304919" cy="1714500"/>
-          </a:xfrm>
-          <a:prstGeom prst="rect">
-            <a:avLst/>
-          </a:prstGeom>
-          <a:noFill/>
-          <a:ln>
-            <a:noFill/>
-          </a:ln>
-        </p:spPr>
-      </p:pic>
-      <p:sp>
-        <p:nvSpPr>
-          <p:cNvPr id="7" name="Rectangle 6"/>
-          <p:cNvSpPr/>
-          <p:nvPr/>
-        </p:nvSpPr>
-        <p:spPr>
-          <a:xfrm>
-            <a:off x="396719" y="3999010"/>
-            <a:ext cx="3171671" cy="738664"/>
-          </a:xfrm>
-          <a:prstGeom prst="rect">
-            <a:avLst/>
-          </a:prstGeom>
-        </p:spPr>
-        <p:txBody>
-          <a:bodyPr wrap="square">
-            <a:spAutoFit/>
-          </a:bodyPr>
-          <a:lstStyle/>
-          <a:p>
-            <a:r>
-              <a:rPr lang="en-US" sz="1400" dirty="0"/>
-              <a:t>W</a:t>
-            </a:r>
-            <a:r>
-              <a:rPr lang="en-US" sz="1400" dirty="0" smtClean="0"/>
-              <a:t>e </a:t>
-            </a:r>
-            <a:r>
-              <a:rPr lang="en-US" sz="1400" dirty="0"/>
-              <a:t>can see that Logistic Regression with Count vector has highest AUC-ROC score of 95%.</a:t>
-            </a:r>
-            <a:r>
-              <a:rPr lang="en-US" sz="1400" dirty="0"/>
-              <a:t> </a:t>
-            </a:r>
-          </a:p>
-        </p:txBody>
-      </p:sp>
-      <p:pic>
-        <p:nvPicPr>
-          <p:cNvPr id="9" name="Picture 8"/>
-          <p:cNvPicPr>
-            <a:picLocks noChangeAspect="1"/>
-          </p:cNvPicPr>
-          <p:nvPr/>
-        </p:nvPicPr>
-        <p:blipFill>
-          <a:blip r:embed="rId4"/>
-          <a:stretch>
-            <a:fillRect/>
-          </a:stretch>
-        </p:blipFill>
-        <p:spPr>
-          <a:xfrm>
-            <a:off x="405077" y="4792469"/>
-            <a:ext cx="4629982" cy="2065531"/>
-          </a:xfrm>
-          <a:prstGeom prst="rect">
-            <a:avLst/>
-          </a:prstGeom>
-        </p:spPr>
-      </p:pic>
     </p:spTree>
     <p:extLst>
       <p:ext uri="{BB962C8B-B14F-4D97-AF65-F5344CB8AC3E}">
-        <p14:creationId xmlns:p14="http://schemas.microsoft.com/office/powerpoint/2010/main" val="297069920"/>
+        <p14:creationId xmlns:p14="http://schemas.microsoft.com/office/powerpoint/2010/main" val="2308095998"/>
       </p:ext>
     </p:extLst>
   </p:cSld>
@@ -3702,6 +3631,271 @@
             <p:ph type="title"/>
           </p:nvPr>
         </p:nvSpPr>
+        <p:spPr/>
+        <p:txBody>
+          <a:bodyPr/>
+          <a:lstStyle/>
+          <a:p>
+            <a:r>
+              <a:rPr lang="en-US" dirty="0" smtClean="0"/>
+              <a:t>Models Performance- </a:t>
+            </a:r>
+            <a:endParaRPr lang="en-US" dirty="0"/>
+          </a:p>
+        </p:txBody>
+      </p:sp>
+      <p:sp>
+        <p:nvSpPr>
+          <p:cNvPr id="3" name="Content Placeholder 2"/>
+          <p:cNvSpPr>
+            <a:spLocks noGrp="1"/>
+          </p:cNvSpPr>
+          <p:nvPr>
+            <p:ph idx="1"/>
+          </p:nvPr>
+        </p:nvSpPr>
+        <p:spPr>
+          <a:xfrm>
+            <a:off x="366480" y="1464138"/>
+            <a:ext cx="2899506" cy="712887"/>
+          </a:xfrm>
+        </p:spPr>
+        <p:txBody>
+          <a:bodyPr>
+            <a:normAutofit/>
+          </a:bodyPr>
+          <a:lstStyle/>
+          <a:p>
+            <a:pPr lvl="0"/>
+            <a:r>
+              <a:rPr lang="en-US" sz="1400" dirty="0"/>
+              <a:t>Accuracy scores of each of the </a:t>
+            </a:r>
+            <a:r>
+              <a:rPr lang="en-US" sz="1400" dirty="0" smtClean="0"/>
+              <a:t>algorithms.</a:t>
+            </a:r>
+          </a:p>
+          <a:p>
+            <a:pPr lvl="0"/>
+            <a:endParaRPr lang="en-US" dirty="0"/>
+          </a:p>
+        </p:txBody>
+      </p:sp>
+      <p:sp>
+        <p:nvSpPr>
+          <p:cNvPr id="4" name="Rectangle 3"/>
+          <p:cNvSpPr/>
+          <p:nvPr/>
+        </p:nvSpPr>
+        <p:spPr>
+          <a:xfrm>
+            <a:off x="3722428" y="1418784"/>
+            <a:ext cx="4572000" cy="1600438"/>
+          </a:xfrm>
+          <a:prstGeom prst="rect">
+            <a:avLst/>
+          </a:prstGeom>
+        </p:spPr>
+        <p:txBody>
+          <a:bodyPr>
+            <a:spAutoFit/>
+          </a:bodyPr>
+          <a:lstStyle/>
+          <a:p>
+            <a:r>
+              <a:rPr lang="en-US" sz="1400" dirty="0"/>
+              <a:t>Best results from the above accuracy score is of – Logistic Regression with Count Vectors. Below we can see the ROC Accuracy is 0.95. </a:t>
+            </a:r>
+          </a:p>
+          <a:p>
+            <a:r>
+              <a:rPr lang="en-US" sz="1400" dirty="0"/>
+              <a:t>In the confusion matrix, as shown in fig16</a:t>
+            </a:r>
+          </a:p>
+          <a:p>
+            <a:pPr lvl="0"/>
+            <a:r>
+              <a:rPr lang="en-US" sz="1400" dirty="0"/>
+              <a:t>True positive is 2944 and True Negative is 2945.</a:t>
+            </a:r>
+          </a:p>
+          <a:p>
+            <a:pPr lvl="0"/>
+            <a:r>
+              <a:rPr lang="en-US" sz="1400" dirty="0"/>
+              <a:t>Type I – False negative is 120 and Type II – False positive is 160.</a:t>
+            </a:r>
+          </a:p>
+        </p:txBody>
+      </p:sp>
+      <p:pic>
+        <p:nvPicPr>
+          <p:cNvPr id="5" name="Picture 4"/>
+          <p:cNvPicPr/>
+          <p:nvPr/>
+        </p:nvPicPr>
+        <p:blipFill>
+          <a:blip r:embed="rId2">
+            <a:extLst>
+              <a:ext uri="{28A0092B-C50C-407E-A947-70E740481C1C}">
+                <a14:useLocalDpi xmlns:a14="http://schemas.microsoft.com/office/drawing/2010/main" val="0"/>
+              </a:ext>
+            </a:extLst>
+          </a:blip>
+          <a:srcRect/>
+          <a:stretch>
+            <a:fillRect/>
+          </a:stretch>
+        </p:blipFill>
+        <p:spPr bwMode="auto">
+          <a:xfrm>
+            <a:off x="3828268" y="2997129"/>
+            <a:ext cx="4215728" cy="1629046"/>
+          </a:xfrm>
+          <a:prstGeom prst="rect">
+            <a:avLst/>
+          </a:prstGeom>
+          <a:noFill/>
+          <a:ln>
+            <a:noFill/>
+          </a:ln>
+        </p:spPr>
+      </p:pic>
+      <p:pic>
+        <p:nvPicPr>
+          <p:cNvPr id="6" name="Picture 5"/>
+          <p:cNvPicPr/>
+          <p:nvPr/>
+        </p:nvPicPr>
+        <p:blipFill>
+          <a:blip r:embed="rId3">
+            <a:extLst>
+              <a:ext uri="{28A0092B-C50C-407E-A947-70E740481C1C}">
+                <a14:useLocalDpi xmlns:a14="http://schemas.microsoft.com/office/drawing/2010/main" val="0"/>
+              </a:ext>
+            </a:extLst>
+          </a:blip>
+          <a:srcRect/>
+          <a:stretch>
+            <a:fillRect/>
+          </a:stretch>
+        </p:blipFill>
+        <p:spPr bwMode="auto">
+          <a:xfrm>
+            <a:off x="263471" y="1906560"/>
+            <a:ext cx="3304919" cy="1714500"/>
+          </a:xfrm>
+          <a:prstGeom prst="rect">
+            <a:avLst/>
+          </a:prstGeom>
+          <a:noFill/>
+          <a:ln>
+            <a:noFill/>
+          </a:ln>
+        </p:spPr>
+      </p:pic>
+      <p:sp>
+        <p:nvSpPr>
+          <p:cNvPr id="7" name="Rectangle 6"/>
+          <p:cNvSpPr/>
+          <p:nvPr/>
+        </p:nvSpPr>
+        <p:spPr>
+          <a:xfrm>
+            <a:off x="396719" y="3999010"/>
+            <a:ext cx="3171671" cy="738664"/>
+          </a:xfrm>
+          <a:prstGeom prst="rect">
+            <a:avLst/>
+          </a:prstGeom>
+        </p:spPr>
+        <p:txBody>
+          <a:bodyPr wrap="square">
+            <a:spAutoFit/>
+          </a:bodyPr>
+          <a:lstStyle/>
+          <a:p>
+            <a:r>
+              <a:rPr lang="en-US" sz="1400" dirty="0"/>
+              <a:t>W</a:t>
+            </a:r>
+            <a:r>
+              <a:rPr lang="en-US" sz="1400" dirty="0" smtClean="0"/>
+              <a:t>e </a:t>
+            </a:r>
+            <a:r>
+              <a:rPr lang="en-US" sz="1400" dirty="0"/>
+              <a:t>can see that Logistic Regression with Count vector has highest AUC-ROC score of 95%. </a:t>
+            </a:r>
+          </a:p>
+        </p:txBody>
+      </p:sp>
+      <p:pic>
+        <p:nvPicPr>
+          <p:cNvPr id="9" name="Picture 8"/>
+          <p:cNvPicPr>
+            <a:picLocks noChangeAspect="1"/>
+          </p:cNvPicPr>
+          <p:nvPr/>
+        </p:nvPicPr>
+        <p:blipFill>
+          <a:blip r:embed="rId4"/>
+          <a:stretch>
+            <a:fillRect/>
+          </a:stretch>
+        </p:blipFill>
+        <p:spPr>
+          <a:xfrm>
+            <a:off x="405077" y="4792469"/>
+            <a:ext cx="4629982" cy="2065531"/>
+          </a:xfrm>
+          <a:prstGeom prst="rect">
+            <a:avLst/>
+          </a:prstGeom>
+        </p:spPr>
+      </p:pic>
+    </p:spTree>
+    <p:extLst>
+      <p:ext uri="{BB962C8B-B14F-4D97-AF65-F5344CB8AC3E}">
+        <p14:creationId xmlns:p14="http://schemas.microsoft.com/office/powerpoint/2010/main" val="297069920"/>
+      </p:ext>
+    </p:extLst>
+  </p:cSld>
+  <p:clrMapOvr>
+    <a:masterClrMapping/>
+  </p:clrMapOvr>
+</p:sld>
+</file>
+
+<file path=ppt/slides/slide13.xml><?xml version="1.0" encoding="utf-8"?>
+<p:sld xmlns:a="http://schemas.openxmlformats.org/drawingml/2006/main" xmlns:r="http://schemas.openxmlformats.org/officeDocument/2006/relationships" xmlns:p="http://schemas.openxmlformats.org/presentationml/2006/main">
+  <p:cSld>
+    <p:spTree>
+      <p:nvGrpSpPr>
+        <p:cNvPr id="1" name=""/>
+        <p:cNvGrpSpPr/>
+        <p:nvPr/>
+      </p:nvGrpSpPr>
+      <p:grpSpPr>
+        <a:xfrm>
+          <a:off x="0" y="0"/>
+          <a:ext cx="0" cy="0"/>
+          <a:chOff x="0" y="0"/>
+          <a:chExt cx="0" cy="0"/>
+        </a:xfrm>
+      </p:grpSpPr>
+      <p:sp>
+        <p:nvSpPr>
+          <p:cNvPr id="2" name="Title 1"/>
+          <p:cNvSpPr>
+            <a:spLocks noGrp="1"/>
+          </p:cNvSpPr>
+          <p:nvPr>
+            <p:ph type="title"/>
+          </p:nvPr>
+        </p:nvSpPr>
         <p:spPr>
           <a:xfrm>
             <a:off x="457200" y="274638"/>
@@ -3866,7 +4060,6 @@
               <a:rPr lang="en-US" sz="1400" dirty="0"/>
               <a:t>Best results from the above accuracy score are of – Logistic Regression with Count Vectors with ROC Accuracy is 0.95 or AUC-ROC score of 95%. </a:t>
             </a:r>
-            <a:endParaRPr lang="en-US" sz="1400" dirty="0"/>
           </a:p>
         </p:txBody>
       </p:sp>
@@ -3954,11 +4147,7 @@
           <a:p>
             <a:r>
               <a:rPr lang="en-US" sz="2000" dirty="0"/>
-              <a:t>Best </a:t>
-            </a:r>
-            <a:r>
-              <a:rPr lang="en-US" sz="2000" dirty="0"/>
-              <a:t>prediction model with best parameter for future prediction of the </a:t>
+              <a:t>Best prediction model with best parameter for future prediction of the </a:t>
             </a:r>
             <a:r>
               <a:rPr lang="en-US" sz="2000" dirty="0" smtClean="0"/>
@@ -4112,12 +4301,12 @@
           <a:graphicData uri="http://schemas.openxmlformats.org/presentationml/2006/ole">
             <mc:AlternateContent xmlns:mc="http://schemas.openxmlformats.org/markup-compatibility/2006">
               <mc:Choice xmlns:v="urn:schemas-microsoft-com:vml" Requires="v">
-                <p:oleObj spid="_x0000_s3087" name="Document" r:id="rId3" imgW="6083300" imgH="2057400" progId="Word.Document.12">
+                <p:oleObj spid="_x0000_s3089" name="Document" r:id="rId4" imgW="6083300" imgH="2057400" progId="Word.Document.12">
                   <p:embed/>
                 </p:oleObj>
               </mc:Choice>
               <mc:Fallback>
-                <p:oleObj name="Document" r:id="rId3" imgW="6083300" imgH="2057400" progId="Word.Document.12">
+                <p:oleObj name="Document" r:id="rId4" imgW="6083300" imgH="2057400" progId="Word.Document.12">
                   <p:embed/>
                   <p:pic>
                     <p:nvPicPr>
@@ -4126,7 +4315,7 @@
                       <p:nvPr/>
                     </p:nvPicPr>
                     <p:blipFill>
-                      <a:blip r:embed="rId4"/>
+                      <a:blip r:embed="rId5"/>
                       <a:stretch>
                         <a:fillRect/>
                       </a:stretch>
@@ -4232,11 +4421,7 @@
             <a:pPr lvl="1"/>
             <a:r>
               <a:rPr lang="en-US" sz="1400" dirty="0"/>
-              <a:t>We </a:t>
-            </a:r>
-            <a:r>
-              <a:rPr lang="en-US" sz="1400" dirty="0"/>
-              <a:t>have downloaded the dataset provided on the </a:t>
+              <a:t>We have downloaded the dataset provided on the </a:t>
             </a:r>
             <a:r>
               <a:rPr lang="en-US" sz="1400" dirty="0" err="1"/>
@@ -4366,13 +4551,8 @@
           <a:p>
             <a:r>
               <a:rPr lang="en-US" sz="1400" dirty="0"/>
-              <a:t>As the dataset is ready, we have split the data between training and test data with 70:30 ratio. Created the Count Vector Training and Test dataset. Created the TFIDF train and test dataset for later in modeling section.</a:t>
-            </a:r>
-            <a:r>
-              <a:rPr lang="en-US" sz="1400" dirty="0"/>
-              <a:t> </a:t>
-            </a:r>
-            <a:endParaRPr lang="en-US" sz="1400" dirty="0"/>
+              <a:t>As the dataset is ready, we have split the data between training and test data with 70:30 ratio. Created the Count Vector Training and Test dataset. Created the TFIDF train and test dataset for later in modeling section. </a:t>
+            </a:r>
           </a:p>
         </p:txBody>
       </p:sp>
@@ -4486,13 +4666,8 @@
           <a:p>
             <a:r>
               <a:rPr lang="en-US" sz="1400" dirty="0"/>
-              <a:t>A new additional attribute is created to capture the sentiments from the text, used the sentiment polarity API to calculate the values. The values are calculated to -1 to 1, being 1 as positive sentiments and -1 as negative </a:t>
-            </a:r>
-            <a:r>
-              <a:rPr lang="en-US" sz="1400" dirty="0"/>
-              <a:t>sentiments</a:t>
-            </a:r>
-            <a:endParaRPr lang="en-US" sz="1400" dirty="0"/>
+              <a:t>A new additional attribute is created to capture the sentiments from the text, used the sentiment polarity API to calculate the values. The values are calculated to -1 to 1, being 1 as positive sentiments and -1 as negative sentiments</a:t>
+            </a:r>
           </a:p>
         </p:txBody>
       </p:sp>
@@ -4642,11 +4817,7 @@
           <a:p>
             <a:r>
               <a:rPr lang="en-US" sz="2800" dirty="0" smtClean="0"/>
-              <a:t>Correlation Plot </a:t>
-            </a:r>
-            <a:r>
-              <a:rPr lang="en-US" sz="2800" dirty="0" smtClean="0"/>
-              <a:t>&amp; </a:t>
+              <a:t>Correlation Plot &amp; </a:t>
             </a:r>
             <a:r>
               <a:rPr lang="en-US" sz="2800" dirty="0" err="1" smtClean="0"/>
@@ -4684,11 +4855,7 @@
           <a:p>
             <a:r>
               <a:rPr lang="en-US" dirty="0"/>
-              <a:t>correlation matrix, describing the relation between the attributes, the values of the correlation are between -1 and 1, showing positive and negative correlation. There is not strong correlation between any attributes, but there is a negative correlation of -0.12 between length and label</a:t>
-            </a:r>
-            <a:r>
-              <a:rPr lang="en-US" dirty="0"/>
-              <a:t> </a:t>
+              <a:t>correlation matrix, describing the relation between the attributes, the values of the correlation are between -1 and 1, showing positive and negative correlation. There is not strong correlation between any attributes, but there is a negative correlation of -0.12 between length and label </a:t>
             </a:r>
           </a:p>
         </p:txBody>
@@ -4754,11 +4921,7 @@
             </a:r>
             <a:r>
               <a:rPr lang="en-US" dirty="0"/>
-              <a:t> from Train Dataset, creating the word cloud of 50 most common words are “Obama”, followed by “Clinton” and “American”.</a:t>
-            </a:r>
-            <a:r>
-              <a:rPr lang="en-US" dirty="0"/>
-              <a:t> </a:t>
+              <a:t> from Train Dataset, creating the word cloud of 50 most common words are “Obama”, followed by “Clinton” and “American”. </a:t>
             </a:r>
           </a:p>
         </p:txBody>
@@ -4852,11 +5015,7 @@
             </a:r>
             <a:r>
               <a:rPr lang="en-US" sz="2800" dirty="0" smtClean="0"/>
-              <a:t> Plot </a:t>
-            </a:r>
-            <a:r>
-              <a:rPr lang="en-US" sz="2800" dirty="0" smtClean="0"/>
-              <a:t>- </a:t>
+              <a:t> Plot - </a:t>
             </a:r>
             <a:endParaRPr lang="en-US" sz="2800" dirty="0"/>
           </a:p>
@@ -4925,11 +5084,7 @@
             </a:r>
             <a:r>
               <a:rPr lang="en-US" dirty="0"/>
-              <a:t> trump said”</a:t>
-            </a:r>
-            <a:r>
-              <a:rPr lang="en-US" dirty="0"/>
-              <a:t> </a:t>
+              <a:t> trump said” </a:t>
             </a:r>
           </a:p>
         </p:txBody>
@@ -5023,11 +5178,7 @@
             </a:r>
             <a:r>
               <a:rPr lang="en-US" sz="2800" dirty="0" smtClean="0"/>
-              <a:t> Plot (Updated STOPWORD) </a:t>
-            </a:r>
-            <a:r>
-              <a:rPr lang="en-US" sz="2800" dirty="0" smtClean="0"/>
-              <a:t>- </a:t>
+              <a:t> Plot (Updated STOPWORD) - </a:t>
             </a:r>
             <a:endParaRPr lang="en-US" sz="2800" dirty="0"/>
           </a:p>
@@ -5080,11 +5231,7 @@
             </a:r>
             <a:r>
               <a:rPr lang="en-US" dirty="0"/>
-              <a:t> trump” and “new york”. In the trigram, we can see the common words are “new york times”, “president Donald trump ” and “new york city”</a:t>
-            </a:r>
-            <a:r>
-              <a:rPr lang="en-US" dirty="0"/>
-              <a:t> </a:t>
+              <a:t> trump” and “new york”. In the trigram, we can see the common words are “new york times”, “president Donald trump ” and “new york city” </a:t>
             </a:r>
           </a:p>
         </p:txBody>
@@ -5240,15 +5387,7 @@
             </a:r>
             <a:r>
               <a:rPr lang="en-US" dirty="0"/>
-              <a:t> – Both of the samples are different and not equal and have difference in their sentiments analysis.</a:t>
-            </a:r>
-            <a:r>
-              <a:rPr lang="en-US" dirty="0"/>
-              <a:t> </a:t>
-            </a:r>
-            <a:r>
-              <a:rPr lang="en-US" dirty="0"/>
-              <a:t>The t-distribution left quartile range is: -1.9600793684470008. The t-distribution right quartile range is: 1.9600793684470004, as shown in fig14</a:t>
+              <a:t> – Both of the samples are different and not equal and have difference in their sentiments analysis. The t-distribution left quartile range is: -1.9600793684470008. The t-distribution right quartile range is: 1.9600793684470004, as shown in fig14</a:t>
             </a:r>
           </a:p>
           <a:p>
@@ -5275,7 +5414,6 @@
               <a:rPr lang="en-US" dirty="0"/>
               <a:t>Comparing the p-value to alpha, reject the null hypothesis that the means are equal. </a:t>
             </a:r>
-            <a:endParaRPr lang="en-US" dirty="0"/>
           </a:p>
           <a:p>
             <a:endParaRPr lang="en-US" dirty="0"/>
